--- a/Auckland/Day 1/2. Introduction to Xamarin/Introduction to Xamarin.pptx
+++ b/Auckland/Day 1/2. Introduction to Xamarin/Introduction to Xamarin.pptx
@@ -5,10 +5,10 @@
     <p:sldMasterId id="2147483648" r:id="rId1"/>
   </p:sldMasterIdLst>
   <p:notesMasterIdLst>
-    <p:notesMasterId r:id="rId9"/>
+    <p:notesMasterId r:id="rId10"/>
   </p:notesMasterIdLst>
   <p:handoutMasterIdLst>
-    <p:handoutMasterId r:id="rId10"/>
+    <p:handoutMasterId r:id="rId11"/>
   </p:handoutMasterIdLst>
   <p:sldIdLst>
     <p:sldId id="256" r:id="rId2"/>
@@ -18,6 +18,7 @@
     <p:sldId id="258" r:id="rId6"/>
     <p:sldId id="263" r:id="rId7"/>
     <p:sldId id="265" r:id="rId8"/>
+    <p:sldId id="266" r:id="rId9"/>
   </p:sldIdLst>
   <p:sldSz cx="12192000" cy="6858000"/>
   <p:notesSz cx="6858000" cy="9144000"/>
@@ -1185,6 +1186,122 @@
     <p:extLst>
       <p:ext uri="{BB962C8B-B14F-4D97-AF65-F5344CB8AC3E}">
         <p14:creationId xmlns:p14="http://schemas.microsoft.com/office/powerpoint/2010/main" val="1513452858"/>
+      </p:ext>
+    </p:extLst>
+  </p:cSld>
+  <p:clrMapOvr>
+    <a:masterClrMapping/>
+  </p:clrMapOvr>
+</p:notes>
+</file>
+
+<file path=ppt/notesSlides/notesSlide6.xml><?xml version="1.0" encoding="utf-8"?>
+<p:notes xmlns:a="http://schemas.openxmlformats.org/drawingml/2006/main" xmlns:r="http://schemas.openxmlformats.org/officeDocument/2006/relationships" xmlns:p="http://schemas.openxmlformats.org/presentationml/2006/main">
+  <p:cSld>
+    <p:spTree>
+      <p:nvGrpSpPr>
+        <p:cNvPr id="1" name=""/>
+        <p:cNvGrpSpPr/>
+        <p:nvPr/>
+      </p:nvGrpSpPr>
+      <p:grpSpPr>
+        <a:xfrm>
+          <a:off x="0" y="0"/>
+          <a:ext cx="0" cy="0"/>
+          <a:chOff x="0" y="0"/>
+          <a:chExt cx="0" cy="0"/>
+        </a:xfrm>
+      </p:grpSpPr>
+      <p:sp>
+        <p:nvSpPr>
+          <p:cNvPr id="2" name="Slide Image Placeholder 1"/>
+          <p:cNvSpPr>
+            <a:spLocks noGrp="1" noRot="1" noChangeAspect="1"/>
+          </p:cNvSpPr>
+          <p:nvPr>
+            <p:ph type="sldImg"/>
+          </p:nvPr>
+        </p:nvSpPr>
+        <p:spPr/>
+      </p:sp>
+      <p:sp>
+        <p:nvSpPr>
+          <p:cNvPr id="3" name="Notes Placeholder 2"/>
+          <p:cNvSpPr>
+            <a:spLocks noGrp="1"/>
+          </p:cNvSpPr>
+          <p:nvPr>
+            <p:ph type="body" idx="1"/>
+          </p:nvPr>
+        </p:nvSpPr>
+        <p:spPr/>
+        <p:txBody>
+          <a:bodyPr/>
+          <a:lstStyle/>
+          <a:p>
+            <a:pPr marL="0" marR="0" indent="0" algn="l" defTabSz="914400" rtl="0" eaLnBrk="1" fontAlgn="auto" latinLnBrk="0" hangingPunct="1">
+              <a:lnSpc>
+                <a:spcPct val="100000"/>
+              </a:lnSpc>
+              <a:spcBef>
+                <a:spcPts val="0"/>
+              </a:spcBef>
+              <a:spcAft>
+                <a:spcPts val="0"/>
+              </a:spcAft>
+              <a:buClrTx/>
+              <a:buSzTx/>
+              <a:buFontTx/>
+              <a:buNone/>
+              <a:tabLst/>
+              <a:defRPr/>
+            </a:pPr>
+            <a:r>
+              <a:rPr lang="en-US" sz="1200" b="0" i="0" kern="1200" dirty="0" smtClean="0">
+                <a:solidFill>
+                  <a:schemeClr val="tx1"/>
+                </a:solidFill>
+                <a:effectLst/>
+                <a:latin typeface="+mn-lt"/>
+                <a:ea typeface="+mn-ea"/>
+                <a:cs typeface="+mn-cs"/>
+              </a:rPr>
+              <a:t>Tap about seven (7) times. After the third tap, you'll see a playful dialog that says you're four taps away from being a developer. (If only it were that simple, eh?) Keep on tapping, and *poof*, you've got the developer settings back.</a:t>
+            </a:r>
+            <a:endParaRPr lang="en-AU" dirty="0" smtClean="0"/>
+          </a:p>
+          <a:p>
+            <a:endParaRPr lang="en-AU" dirty="0"/>
+          </a:p>
+        </p:txBody>
+      </p:sp>
+      <p:sp>
+        <p:nvSpPr>
+          <p:cNvPr id="4" name="Slide Number Placeholder 3"/>
+          <p:cNvSpPr>
+            <a:spLocks noGrp="1"/>
+          </p:cNvSpPr>
+          <p:nvPr>
+            <p:ph type="sldNum" sz="quarter" idx="10"/>
+          </p:nvPr>
+        </p:nvSpPr>
+        <p:spPr/>
+        <p:txBody>
+          <a:bodyPr/>
+          <a:lstStyle/>
+          <a:p>
+            <a:fld id="{EAE114BB-56D9-684D-A924-E9079D58D01A}" type="slidenum">
+              <a:rPr lang="en-AU" smtClean="0"/>
+              <a:t>8</a:t>
+            </a:fld>
+            <a:endParaRPr lang="en-AU"/>
+          </a:p>
+        </p:txBody>
+      </p:sp>
+    </p:spTree>
+    <p:extLst>
+      <p:ext uri="{BB962C8B-B14F-4D97-AF65-F5344CB8AC3E}">
+        <p14:creationId xmlns:p14="http://schemas.microsoft.com/office/powerpoint/2010/main" val="1095631257"/>
       </p:ext>
     </p:extLst>
   </p:cSld>
@@ -5755,6 +5872,153 @@
       </p:transition>
     </mc:Fallback>
   </mc:AlternateContent>
+  <p:timing>
+    <p:tnLst>
+      <p:par>
+        <p:cTn id="1" dur="indefinite" restart="never" nodeType="tmRoot"/>
+      </p:par>
+    </p:tnLst>
+  </p:timing>
+</p:sld>
+</file>
+
+<file path=ppt/slides/slide8.xml><?xml version="1.0" encoding="utf-8"?>
+<p:sld xmlns:a="http://schemas.openxmlformats.org/drawingml/2006/main" xmlns:r="http://schemas.openxmlformats.org/officeDocument/2006/relationships" xmlns:p="http://schemas.openxmlformats.org/presentationml/2006/main">
+  <p:cSld>
+    <p:spTree>
+      <p:nvGrpSpPr>
+        <p:cNvPr id="1" name=""/>
+        <p:cNvGrpSpPr/>
+        <p:nvPr/>
+      </p:nvGrpSpPr>
+      <p:grpSpPr>
+        <a:xfrm>
+          <a:off x="0" y="0"/>
+          <a:ext cx="0" cy="0"/>
+          <a:chOff x="0" y="0"/>
+          <a:chExt cx="0" cy="0"/>
+        </a:xfrm>
+      </p:grpSpPr>
+      <p:pic>
+        <p:nvPicPr>
+          <p:cNvPr id="4" name="Picture 3"/>
+          <p:cNvPicPr>
+            <a:picLocks noChangeAspect="1"/>
+          </p:cNvPicPr>
+          <p:nvPr/>
+        </p:nvPicPr>
+        <p:blipFill>
+          <a:blip r:embed="rId3">
+            <a:clrChange>
+              <a:clrFrom>
+                <a:srgbClr val="FFFFFF"/>
+              </a:clrFrom>
+              <a:clrTo>
+                <a:srgbClr val="FFFFFF">
+                  <a:alpha val="0"/>
+                </a:srgbClr>
+              </a:clrTo>
+            </a:clrChange>
+            <a:extLst>
+              <a:ext uri="{28A0092B-C50C-407E-A947-70E740481C1C}">
+                <a14:useLocalDpi xmlns:a14="http://schemas.microsoft.com/office/drawing/2010/main" val="0"/>
+              </a:ext>
+            </a:extLst>
+          </a:blip>
+          <a:stretch>
+            <a:fillRect/>
+          </a:stretch>
+        </p:blipFill>
+        <p:spPr>
+          <a:xfrm>
+            <a:off x="643467" y="2277461"/>
+            <a:ext cx="10905066" cy="3189730"/>
+          </a:xfrm>
+          <a:prstGeom prst="rect">
+            <a:avLst/>
+          </a:prstGeom>
+        </p:spPr>
+      </p:pic>
+      <p:sp>
+        <p:nvSpPr>
+          <p:cNvPr id="5" name="TextBox 4"/>
+          <p:cNvSpPr txBox="1"/>
+          <p:nvPr/>
+        </p:nvSpPr>
+        <p:spPr>
+          <a:xfrm>
+            <a:off x="1013730" y="547215"/>
+            <a:ext cx="11210925" cy="744836"/>
+          </a:xfrm>
+          <a:prstGeom prst="rect">
+            <a:avLst/>
+          </a:prstGeom>
+        </p:spPr>
+        <p:txBody>
+          <a:bodyPr vert="horz" lIns="91440" tIns="45720" rIns="91440" bIns="45720" rtlCol="0" anchor="ctr">
+            <a:normAutofit/>
+          </a:bodyPr>
+          <a:lstStyle/>
+          <a:p>
+            <a:pPr>
+              <a:lnSpc>
+                <a:spcPct val="90000"/>
+              </a:lnSpc>
+              <a:spcBef>
+                <a:spcPct val="0"/>
+              </a:spcBef>
+            </a:pPr>
+            <a:r>
+              <a:rPr lang="en-US" sz="4400" kern="1200" dirty="0">
+                <a:latin typeface="Segoe UI" charset="0"/>
+                <a:ea typeface="Segoe UI" charset="0"/>
+                <a:cs typeface="Segoe UI" charset="0"/>
+              </a:rPr>
+              <a:t>Developer Options (Android)</a:t>
+            </a:r>
+          </a:p>
+        </p:txBody>
+      </p:sp>
+      <p:cxnSp>
+        <p:nvCxnSpPr>
+          <p:cNvPr id="6" name="Straight Connector 5"/>
+          <p:cNvCxnSpPr/>
+          <p:nvPr/>
+        </p:nvCxnSpPr>
+        <p:spPr>
+          <a:xfrm>
+            <a:off x="790414" y="1342470"/>
+            <a:ext cx="9051010" cy="0"/>
+          </a:xfrm>
+          <a:prstGeom prst="line">
+            <a:avLst/>
+          </a:prstGeom>
+        </p:spPr>
+        <p:style>
+          <a:lnRef idx="1">
+            <a:schemeClr val="accent1"/>
+          </a:lnRef>
+          <a:fillRef idx="0">
+            <a:schemeClr val="accent1"/>
+          </a:fillRef>
+          <a:effectRef idx="0">
+            <a:schemeClr val="accent1"/>
+          </a:effectRef>
+          <a:fontRef idx="minor">
+            <a:schemeClr val="tx1"/>
+          </a:fontRef>
+        </p:style>
+      </p:cxnSp>
+    </p:spTree>
+    <p:extLst>
+      <p:ext uri="{BB962C8B-B14F-4D97-AF65-F5344CB8AC3E}">
+        <p14:creationId xmlns:p14="http://schemas.microsoft.com/office/powerpoint/2010/main" val="1367621414"/>
+      </p:ext>
+    </p:extLst>
+  </p:cSld>
+  <p:clrMapOvr>
+    <a:masterClrMapping/>
+  </p:clrMapOvr>
   <p:timing>
     <p:tnLst>
       <p:par>
